--- a/IOTFirst review ppt.pptx
+++ b/IOTFirst review ppt.pptx
@@ -220,7 +220,7 @@
             <a:fld id="{780274FC-FEBD-4950-902E-2813466A1D59}" type="datetimeFigureOut">
               <a:rPr lang="en-US" smtClean="0"/>
               <a:pPr/>
-              <a:t>3/21/2024</a:t>
+              <a:t>5/6/2024</a:t>
             </a:fld>
             <a:endParaRPr lang="en-US" dirty="0"/>
           </a:p>
@@ -665,7 +665,7 @@
             <a:fld id="{A46BCCEB-6DF4-403B-9D84-C520D9ECFBA0}" type="datetimeFigureOut">
               <a:rPr lang="en-US" smtClean="0"/>
               <a:pPr/>
-              <a:t>3/21/2024</a:t>
+              <a:t>5/6/2024</a:t>
             </a:fld>
             <a:endParaRPr lang="en-US" dirty="0"/>
           </a:p>
@@ -830,7 +830,7 @@
             <a:fld id="{A46BCCEB-6DF4-403B-9D84-C520D9ECFBA0}" type="datetimeFigureOut">
               <a:rPr lang="en-US" smtClean="0"/>
               <a:pPr/>
-              <a:t>3/21/2024</a:t>
+              <a:t>5/6/2024</a:t>
             </a:fld>
             <a:endParaRPr lang="en-US" dirty="0"/>
           </a:p>
@@ -1005,7 +1005,7 @@
             <a:fld id="{A46BCCEB-6DF4-403B-9D84-C520D9ECFBA0}" type="datetimeFigureOut">
               <a:rPr lang="en-US" smtClean="0"/>
               <a:pPr/>
-              <a:t>3/21/2024</a:t>
+              <a:t>5/6/2024</a:t>
             </a:fld>
             <a:endParaRPr lang="en-US" dirty="0"/>
           </a:p>
@@ -1170,7 +1170,7 @@
             <a:fld id="{A46BCCEB-6DF4-403B-9D84-C520D9ECFBA0}" type="datetimeFigureOut">
               <a:rPr lang="en-US" smtClean="0"/>
               <a:pPr/>
-              <a:t>3/21/2024</a:t>
+              <a:t>5/6/2024</a:t>
             </a:fld>
             <a:endParaRPr lang="en-US" dirty="0"/>
           </a:p>
@@ -1412,7 +1412,7 @@
             <a:fld id="{A46BCCEB-6DF4-403B-9D84-C520D9ECFBA0}" type="datetimeFigureOut">
               <a:rPr lang="en-US" smtClean="0"/>
               <a:pPr/>
-              <a:t>3/21/2024</a:t>
+              <a:t>5/6/2024</a:t>
             </a:fld>
             <a:endParaRPr lang="en-US" dirty="0"/>
           </a:p>
@@ -1694,7 +1694,7 @@
             <a:fld id="{A46BCCEB-6DF4-403B-9D84-C520D9ECFBA0}" type="datetimeFigureOut">
               <a:rPr lang="en-US" smtClean="0"/>
               <a:pPr/>
-              <a:t>3/21/2024</a:t>
+              <a:t>5/6/2024</a:t>
             </a:fld>
             <a:endParaRPr lang="en-US" dirty="0"/>
           </a:p>
@@ -2110,7 +2110,7 @@
             <a:fld id="{A46BCCEB-6DF4-403B-9D84-C520D9ECFBA0}" type="datetimeFigureOut">
               <a:rPr lang="en-US" smtClean="0"/>
               <a:pPr/>
-              <a:t>3/21/2024</a:t>
+              <a:t>5/6/2024</a:t>
             </a:fld>
             <a:endParaRPr lang="en-US" dirty="0"/>
           </a:p>
@@ -2224,7 +2224,7 @@
             <a:fld id="{A46BCCEB-6DF4-403B-9D84-C520D9ECFBA0}" type="datetimeFigureOut">
               <a:rPr lang="en-US" smtClean="0"/>
               <a:pPr/>
-              <a:t>3/21/2024</a:t>
+              <a:t>5/6/2024</a:t>
             </a:fld>
             <a:endParaRPr lang="en-US" dirty="0"/>
           </a:p>
@@ -2316,7 +2316,7 @@
             <a:fld id="{A46BCCEB-6DF4-403B-9D84-C520D9ECFBA0}" type="datetimeFigureOut">
               <a:rPr lang="en-US" smtClean="0"/>
               <a:pPr/>
-              <a:t>3/21/2024</a:t>
+              <a:t>5/6/2024</a:t>
             </a:fld>
             <a:endParaRPr lang="en-US" dirty="0"/>
           </a:p>
@@ -2588,7 +2588,7 @@
             <a:fld id="{A46BCCEB-6DF4-403B-9D84-C520D9ECFBA0}" type="datetimeFigureOut">
               <a:rPr lang="en-US" smtClean="0"/>
               <a:pPr/>
-              <a:t>3/21/2024</a:t>
+              <a:t>5/6/2024</a:t>
             </a:fld>
             <a:endParaRPr lang="en-US" dirty="0"/>
           </a:p>
@@ -2837,7 +2837,7 @@
             <a:fld id="{A46BCCEB-6DF4-403B-9D84-C520D9ECFBA0}" type="datetimeFigureOut">
               <a:rPr lang="en-US" smtClean="0"/>
               <a:pPr/>
-              <a:t>3/21/2024</a:t>
+              <a:t>5/6/2024</a:t>
             </a:fld>
             <a:endParaRPr lang="en-US" dirty="0"/>
           </a:p>
@@ -3045,7 +3045,7 @@
             <a:fld id="{A46BCCEB-6DF4-403B-9D84-C520D9ECFBA0}" type="datetimeFigureOut">
               <a:rPr lang="en-US" smtClean="0"/>
               <a:pPr/>
-              <a:t>3/21/2024</a:t>
+              <a:t>5/6/2024</a:t>
             </a:fld>
             <a:endParaRPr lang="en-US" dirty="0"/>
           </a:p>
@@ -4006,7 +4006,9 @@
         </p:nvSpPr>
         <p:spPr/>
         <p:txBody>
-          <a:bodyPr/>
+          <a:bodyPr>
+            <a:normAutofit fontScale="92500" lnSpcReduction="20000"/>
+          </a:bodyPr>
           <a:lstStyle/>
           <a:p>
             <a:pPr marL="0" indent="0" algn="ctr">
@@ -4034,6 +4036,51 @@
               <a:rPr lang="en-US" u="sng" dirty="0"/>
               <a:t>Abstract</a:t>
             </a:r>
+          </a:p>
+          <a:p>
+            <a:pPr marL="0" indent="0">
+              <a:buNone/>
+            </a:pPr>
+            <a:r>
+              <a:rPr lang="en-US" dirty="0"/>
+              <a:t>It addresses constraints like limited resources and diverse applications, proposing advanced encryption and AI-driven anomaly detection as potential solutions. The aim is to foster secure and privacy-preserving deployments of low-power IoT devices in evolving network environments.</a:t>
+            </a:r>
+          </a:p>
+          <a:p>
+            <a:pPr marL="0" indent="0">
+              <a:buNone/>
+            </a:pPr>
+            <a:endParaRPr lang="en-US" dirty="0"/>
+          </a:p>
+          <a:p>
+            <a:pPr marL="0" indent="0">
+              <a:buNone/>
+            </a:pPr>
+            <a:endParaRPr lang="en-US" dirty="0"/>
+          </a:p>
+          <a:p>
+            <a:pPr marL="0" indent="0">
+              <a:buNone/>
+            </a:pPr>
+            <a:endParaRPr lang="en-US" dirty="0"/>
+          </a:p>
+          <a:p>
+            <a:pPr marL="0" indent="0">
+              <a:buNone/>
+            </a:pPr>
+            <a:endParaRPr lang="en-US" dirty="0"/>
+          </a:p>
+          <a:p>
+            <a:pPr marL="0" indent="0">
+              <a:buNone/>
+            </a:pPr>
+            <a:endParaRPr lang="en-US" dirty="0"/>
+          </a:p>
+          <a:p>
+            <a:pPr marL="0" indent="0">
+              <a:buNone/>
+            </a:pPr>
+            <a:endParaRPr lang="en-US" dirty="0"/>
           </a:p>
           <a:p>
             <a:pPr marL="0" indent="0">
